--- a/PPT FWD TNSDC 2025.pptx
+++ b/PPT FWD TNSDC 2025.pptx
@@ -142,9 +142,39 @@
 <file path=ppt/revisionInfo.xml><?xml version="1.0" encoding="utf-8"?>
 <p1510:revInfo xmlns:a="http://schemas.openxmlformats.org/drawingml/2006/main" xmlns:r="http://schemas.openxmlformats.org/officeDocument/2006/relationships" xmlns:p1510="http://schemas.microsoft.com/office/powerpoint/2015/10/main">
   <p1510:revLst>
+    <p1510:client id="{0F80FF56-EC61-46D5-A082-519D8024B5F1}" v="3" dt="2025-08-31T03:53:08.880"/>
     <p1510:client id="{FA2A2D8C-83B2-4D5C-8370-995329C493CE}" v="33" dt="2025-08-31T02:28:20.292"/>
   </p1510:revLst>
 </p1510:revInfo>
+</file>
+
+<file path=ppt/changesInfos/changesInfo1.xml><?xml version="1.0" encoding="utf-8"?>
+<pc:chgInfo xmlns:a="http://schemas.openxmlformats.org/drawingml/2006/main" xmlns:r="http://schemas.openxmlformats.org/officeDocument/2006/relationships" xmlns:ac="http://schemas.microsoft.com/office/drawing/2013/main/command" xmlns:pc="http://schemas.microsoft.com/office/powerpoint/2013/main/command">
+  <pc:docChgLst>
+    <pc:chgData name="Nithya S" userId="7a8c9ebaee99cb5f" providerId="LiveId" clId="{0F80FF56-EC61-46D5-A082-519D8024B5F1}"/>
+    <pc:docChg chg="modSld">
+      <pc:chgData name="Nithya S" userId="7a8c9ebaee99cb5f" providerId="LiveId" clId="{0F80FF56-EC61-46D5-A082-519D8024B5F1}" dt="2025-08-31T03:52:27.292" v="5" actId="1076"/>
+      <pc:docMkLst>
+        <pc:docMk/>
+      </pc:docMkLst>
+      <pc:sldChg chg="addSp modSp mod">
+        <pc:chgData name="Nithya S" userId="7a8c9ebaee99cb5f" providerId="LiveId" clId="{0F80FF56-EC61-46D5-A082-519D8024B5F1}" dt="2025-08-31T03:52:27.292" v="5" actId="1076"/>
+        <pc:sldMkLst>
+          <pc:docMk/>
+          <pc:sldMk cId="4080297216" sldId="272"/>
+        </pc:sldMkLst>
+        <pc:spChg chg="add mod">
+          <ac:chgData name="Nithya S" userId="7a8c9ebaee99cb5f" providerId="LiveId" clId="{0F80FF56-EC61-46D5-A082-519D8024B5F1}" dt="2025-08-31T03:52:27.292" v="5" actId="1076"/>
+          <ac:spMkLst>
+            <pc:docMk/>
+            <pc:sldMk cId="4080297216" sldId="272"/>
+            <ac:spMk id="4" creationId="{67B8B6F9-1A67-52BF-60C4-C3EBD3043782}"/>
+          </ac:spMkLst>
+        </pc:spChg>
+      </pc:sldChg>
+    </pc:docChg>
+  </pc:docChgLst>
+</pc:chgInfo>
 </file>
 
 <file path=ppt/notesMasters/notesMaster1.xml><?xml version="1.0" encoding="utf-8"?>
@@ -4291,6 +4321,44 @@
               <a:t>The source code for this project is available on GitHub, where it can be viewed and cloned for review. The repository serves as a clear demonstration of version control skills and provides a transparent look into the project's development.</a:t>
             </a:r>
             <a:endParaRPr lang="en-IN" sz="2000" dirty="0"/>
+          </a:p>
+        </p:txBody>
+      </p:sp>
+      <p:sp>
+        <p:nvSpPr>
+          <p:cNvPr id="4" name="TextBox 3">
+            <a:extLst>
+              <a:ext uri="{FF2B5EF4-FFF2-40B4-BE49-F238E27FC236}">
+                <a16:creationId xmlns:a16="http://schemas.microsoft.com/office/drawing/2014/main" id="{67B8B6F9-1A67-52BF-60C4-C3EBD3043782}"/>
+              </a:ext>
+            </a:extLst>
+          </p:cNvPr>
+          <p:cNvSpPr txBox="1"/>
+          <p:nvPr/>
+        </p:nvSpPr>
+        <p:spPr>
+          <a:xfrm>
+            <a:off x="1905000" y="2743200"/>
+            <a:ext cx="7233684" cy="369332"/>
+          </a:xfrm>
+          <a:prstGeom prst="rect">
+            <a:avLst/>
+          </a:prstGeom>
+          <a:noFill/>
+        </p:spPr>
+        <p:txBody>
+          <a:bodyPr wrap="square" rtlCol="0">
+            <a:spAutoFit/>
+          </a:bodyPr>
+          <a:lstStyle/>
+          <a:p>
+            <a:r>
+              <a:rPr lang="en-IN" dirty="0">
+                <a:hlinkClick r:id="rId2"/>
+              </a:rPr>
+              <a:t>https://github.com/Varsha-Ramesh17/TNSDC-FWD-Digitalportfolio.git</a:t>
+            </a:r>
+            <a:endParaRPr lang="en-IN" dirty="0"/>
           </a:p>
         </p:txBody>
       </p:sp>
